--- a/ppt 16-9/1107.基督徒走天路.pptx
+++ b/ppt 16-9/1107.基督徒走天路.pptx
@@ -129,7 +129,7 @@
           <p:cNvPr id="2" name="标题 1">
             <a:extLst>
               <a:ext uri="{FF2B5EF4-FFF2-40B4-BE49-F238E27FC236}">
-                <a16:creationId xmlns:a16="http://schemas.microsoft.com/office/drawing/2014/main" id="{20A2FA9F-3778-F29D-3ECD-8D7589612F7A}"/>
+                <a16:creationId xmlns:a16="http://schemas.microsoft.com/office/drawing/2014/main" id="{C8E248E7-E74C-C003-F25B-1E7F202C6909}"/>
               </a:ext>
             </a:extLst>
           </p:cNvPr>
@@ -166,7 +166,7 @@
           <p:cNvPr id="3" name="副标题 2">
             <a:extLst>
               <a:ext uri="{FF2B5EF4-FFF2-40B4-BE49-F238E27FC236}">
-                <a16:creationId xmlns:a16="http://schemas.microsoft.com/office/drawing/2014/main" id="{67269E1E-313F-888A-7D92-9F42F90B0D9B}"/>
+                <a16:creationId xmlns:a16="http://schemas.microsoft.com/office/drawing/2014/main" id="{36D1F127-D878-AB2B-8174-88BA011C66F8}"/>
               </a:ext>
             </a:extLst>
           </p:cNvPr>
@@ -236,7 +236,7 @@
           <p:cNvPr id="4" name="日期占位符 3">
             <a:extLst>
               <a:ext uri="{FF2B5EF4-FFF2-40B4-BE49-F238E27FC236}">
-                <a16:creationId xmlns:a16="http://schemas.microsoft.com/office/drawing/2014/main" id="{44E13296-8C78-B167-99B9-4A294B107306}"/>
+                <a16:creationId xmlns:a16="http://schemas.microsoft.com/office/drawing/2014/main" id="{60A359C2-F6F8-3E62-1658-6506B195F138}"/>
               </a:ext>
             </a:extLst>
           </p:cNvPr>
@@ -252,7 +252,7 @@
           <a:bodyPr/>
           <a:lstStyle/>
           <a:p>
-            <a:fld id="{8A871E92-53D5-4DD0-886E-DC73A567DF53}" type="datetimeFigureOut">
+            <a:fld id="{C4D8C931-AE4C-450C-AA6D-CFE0BF4D3FB4}" type="datetimeFigureOut">
               <a:rPr lang="zh-CN" altLang="en-US" smtClean="0"/>
               <a:t>2024/3/10</a:t>
             </a:fld>
@@ -265,7 +265,7 @@
           <p:cNvPr id="5" name="页脚占位符 4">
             <a:extLst>
               <a:ext uri="{FF2B5EF4-FFF2-40B4-BE49-F238E27FC236}">
-                <a16:creationId xmlns:a16="http://schemas.microsoft.com/office/drawing/2014/main" id="{DAE6DB61-6F0D-FF9C-0856-3AD4A0255EF6}"/>
+                <a16:creationId xmlns:a16="http://schemas.microsoft.com/office/drawing/2014/main" id="{B70B7902-9BC6-879C-7243-9634BE19CF98}"/>
               </a:ext>
             </a:extLst>
           </p:cNvPr>
@@ -290,7 +290,7 @@
           <p:cNvPr id="6" name="灯片编号占位符 5">
             <a:extLst>
               <a:ext uri="{FF2B5EF4-FFF2-40B4-BE49-F238E27FC236}">
-                <a16:creationId xmlns:a16="http://schemas.microsoft.com/office/drawing/2014/main" id="{14FF18F5-F49C-5B57-50C9-152C4001D0E8}"/>
+                <a16:creationId xmlns:a16="http://schemas.microsoft.com/office/drawing/2014/main" id="{00107CE0-BB3A-D042-DB2C-75A59599E6A0}"/>
               </a:ext>
             </a:extLst>
           </p:cNvPr>
@@ -306,7 +306,7 @@
           <a:bodyPr/>
           <a:lstStyle/>
           <a:p>
-            <a:fld id="{ADFEC779-0DB9-400F-9AB7-64319C9A10CE}" type="slidenum">
+            <a:fld id="{88FDAC10-C13A-4B12-A3C6-6A1B9C47D357}" type="slidenum">
               <a:rPr lang="zh-CN" altLang="en-US" smtClean="0"/>
               <a:t>‹#›</a:t>
             </a:fld>
@@ -317,7 +317,7 @@
     </p:spTree>
     <p:extLst>
       <p:ext uri="{BB962C8B-B14F-4D97-AF65-F5344CB8AC3E}">
-        <p14:creationId xmlns:p14="http://schemas.microsoft.com/office/powerpoint/2010/main" val="3101505153"/>
+        <p14:creationId xmlns:p14="http://schemas.microsoft.com/office/powerpoint/2010/main" val="377178354"/>
       </p:ext>
     </p:extLst>
   </p:cSld>
@@ -349,7 +349,7 @@
           <p:cNvPr id="2" name="标题 1">
             <a:extLst>
               <a:ext uri="{FF2B5EF4-FFF2-40B4-BE49-F238E27FC236}">
-                <a16:creationId xmlns:a16="http://schemas.microsoft.com/office/drawing/2014/main" id="{FD2D969A-775C-8378-8B60-6A9576D8907B}"/>
+                <a16:creationId xmlns:a16="http://schemas.microsoft.com/office/drawing/2014/main" id="{9C5B5472-54BC-F342-F12D-D9E364FB10B2}"/>
               </a:ext>
             </a:extLst>
           </p:cNvPr>
@@ -377,7 +377,7 @@
           <p:cNvPr id="3" name="竖排文字占位符 2">
             <a:extLst>
               <a:ext uri="{FF2B5EF4-FFF2-40B4-BE49-F238E27FC236}">
-                <a16:creationId xmlns:a16="http://schemas.microsoft.com/office/drawing/2014/main" id="{09DE0E49-EB7D-9F75-75FF-86386F4C36CE}"/>
+                <a16:creationId xmlns:a16="http://schemas.microsoft.com/office/drawing/2014/main" id="{EF53BB80-591B-684F-541A-0F70BEE7852E}"/>
               </a:ext>
             </a:extLst>
           </p:cNvPr>
@@ -434,7 +434,7 @@
           <p:cNvPr id="4" name="日期占位符 3">
             <a:extLst>
               <a:ext uri="{FF2B5EF4-FFF2-40B4-BE49-F238E27FC236}">
-                <a16:creationId xmlns:a16="http://schemas.microsoft.com/office/drawing/2014/main" id="{9FD67C8F-8BC2-1981-F969-F47369D4550C}"/>
+                <a16:creationId xmlns:a16="http://schemas.microsoft.com/office/drawing/2014/main" id="{DC361700-0A7A-7F31-24A4-6CB0066863F3}"/>
               </a:ext>
             </a:extLst>
           </p:cNvPr>
@@ -450,7 +450,7 @@
           <a:bodyPr/>
           <a:lstStyle/>
           <a:p>
-            <a:fld id="{8A871E92-53D5-4DD0-886E-DC73A567DF53}" type="datetimeFigureOut">
+            <a:fld id="{C4D8C931-AE4C-450C-AA6D-CFE0BF4D3FB4}" type="datetimeFigureOut">
               <a:rPr lang="zh-CN" altLang="en-US" smtClean="0"/>
               <a:t>2024/3/10</a:t>
             </a:fld>
@@ -463,7 +463,7 @@
           <p:cNvPr id="5" name="页脚占位符 4">
             <a:extLst>
               <a:ext uri="{FF2B5EF4-FFF2-40B4-BE49-F238E27FC236}">
-                <a16:creationId xmlns:a16="http://schemas.microsoft.com/office/drawing/2014/main" id="{7C5A9C70-4760-09B1-7F47-E57171299B3B}"/>
+                <a16:creationId xmlns:a16="http://schemas.microsoft.com/office/drawing/2014/main" id="{5A4E3E0F-A901-4561-5B81-7104BE7952C2}"/>
               </a:ext>
             </a:extLst>
           </p:cNvPr>
@@ -488,7 +488,7 @@
           <p:cNvPr id="6" name="灯片编号占位符 5">
             <a:extLst>
               <a:ext uri="{FF2B5EF4-FFF2-40B4-BE49-F238E27FC236}">
-                <a16:creationId xmlns:a16="http://schemas.microsoft.com/office/drawing/2014/main" id="{8EFEDF8F-8147-C717-7C57-A9962E824E20}"/>
+                <a16:creationId xmlns:a16="http://schemas.microsoft.com/office/drawing/2014/main" id="{21F95E4E-88EC-35ED-1CE6-C3A0229A4B5B}"/>
               </a:ext>
             </a:extLst>
           </p:cNvPr>
@@ -504,7 +504,7 @@
           <a:bodyPr/>
           <a:lstStyle/>
           <a:p>
-            <a:fld id="{ADFEC779-0DB9-400F-9AB7-64319C9A10CE}" type="slidenum">
+            <a:fld id="{88FDAC10-C13A-4B12-A3C6-6A1B9C47D357}" type="slidenum">
               <a:rPr lang="zh-CN" altLang="en-US" smtClean="0"/>
               <a:t>‹#›</a:t>
             </a:fld>
@@ -515,7 +515,7 @@
     </p:spTree>
     <p:extLst>
       <p:ext uri="{BB962C8B-B14F-4D97-AF65-F5344CB8AC3E}">
-        <p14:creationId xmlns:p14="http://schemas.microsoft.com/office/powerpoint/2010/main" val="3640187948"/>
+        <p14:creationId xmlns:p14="http://schemas.microsoft.com/office/powerpoint/2010/main" val="4137297889"/>
       </p:ext>
     </p:extLst>
   </p:cSld>
@@ -547,7 +547,7 @@
           <p:cNvPr id="2" name="竖排标题 1">
             <a:extLst>
               <a:ext uri="{FF2B5EF4-FFF2-40B4-BE49-F238E27FC236}">
-                <a16:creationId xmlns:a16="http://schemas.microsoft.com/office/drawing/2014/main" id="{7512710C-227A-93EC-C567-8B5E90C26DC7}"/>
+                <a16:creationId xmlns:a16="http://schemas.microsoft.com/office/drawing/2014/main" id="{E4CDED42-2441-6486-684A-D73CFAFF50D0}"/>
               </a:ext>
             </a:extLst>
           </p:cNvPr>
@@ -580,7 +580,7 @@
           <p:cNvPr id="3" name="竖排文字占位符 2">
             <a:extLst>
               <a:ext uri="{FF2B5EF4-FFF2-40B4-BE49-F238E27FC236}">
-                <a16:creationId xmlns:a16="http://schemas.microsoft.com/office/drawing/2014/main" id="{FF02A177-A586-CFA6-67CA-B22C82D5710C}"/>
+                <a16:creationId xmlns:a16="http://schemas.microsoft.com/office/drawing/2014/main" id="{72F85245-DF2B-EA15-05A0-EB4CB4774652}"/>
               </a:ext>
             </a:extLst>
           </p:cNvPr>
@@ -642,7 +642,7 @@
           <p:cNvPr id="4" name="日期占位符 3">
             <a:extLst>
               <a:ext uri="{FF2B5EF4-FFF2-40B4-BE49-F238E27FC236}">
-                <a16:creationId xmlns:a16="http://schemas.microsoft.com/office/drawing/2014/main" id="{F8B7DB6B-0F86-1F5E-273D-D237AD457C35}"/>
+                <a16:creationId xmlns:a16="http://schemas.microsoft.com/office/drawing/2014/main" id="{90AD4FBD-FDA5-9770-AF56-49E2CC6A2AFB}"/>
               </a:ext>
             </a:extLst>
           </p:cNvPr>
@@ -658,7 +658,7 @@
           <a:bodyPr/>
           <a:lstStyle/>
           <a:p>
-            <a:fld id="{8A871E92-53D5-4DD0-886E-DC73A567DF53}" type="datetimeFigureOut">
+            <a:fld id="{C4D8C931-AE4C-450C-AA6D-CFE0BF4D3FB4}" type="datetimeFigureOut">
               <a:rPr lang="zh-CN" altLang="en-US" smtClean="0"/>
               <a:t>2024/3/10</a:t>
             </a:fld>
@@ -671,7 +671,7 @@
           <p:cNvPr id="5" name="页脚占位符 4">
             <a:extLst>
               <a:ext uri="{FF2B5EF4-FFF2-40B4-BE49-F238E27FC236}">
-                <a16:creationId xmlns:a16="http://schemas.microsoft.com/office/drawing/2014/main" id="{B7F5A297-1343-05FE-190E-FEFECFCF7F95}"/>
+                <a16:creationId xmlns:a16="http://schemas.microsoft.com/office/drawing/2014/main" id="{61107846-7917-9958-884D-799355572F6D}"/>
               </a:ext>
             </a:extLst>
           </p:cNvPr>
@@ -696,7 +696,7 @@
           <p:cNvPr id="6" name="灯片编号占位符 5">
             <a:extLst>
               <a:ext uri="{FF2B5EF4-FFF2-40B4-BE49-F238E27FC236}">
-                <a16:creationId xmlns:a16="http://schemas.microsoft.com/office/drawing/2014/main" id="{AC26F152-9286-DC73-22BD-D65113B21CF5}"/>
+                <a16:creationId xmlns:a16="http://schemas.microsoft.com/office/drawing/2014/main" id="{6B0898BF-59B2-EE9D-64B0-4F307D70688E}"/>
               </a:ext>
             </a:extLst>
           </p:cNvPr>
@@ -712,7 +712,7 @@
           <a:bodyPr/>
           <a:lstStyle/>
           <a:p>
-            <a:fld id="{ADFEC779-0DB9-400F-9AB7-64319C9A10CE}" type="slidenum">
+            <a:fld id="{88FDAC10-C13A-4B12-A3C6-6A1B9C47D357}" type="slidenum">
               <a:rPr lang="zh-CN" altLang="en-US" smtClean="0"/>
               <a:t>‹#›</a:t>
             </a:fld>
@@ -723,7 +723,7 @@
     </p:spTree>
     <p:extLst>
       <p:ext uri="{BB962C8B-B14F-4D97-AF65-F5344CB8AC3E}">
-        <p14:creationId xmlns:p14="http://schemas.microsoft.com/office/powerpoint/2010/main" val="4089232902"/>
+        <p14:creationId xmlns:p14="http://schemas.microsoft.com/office/powerpoint/2010/main" val="1396439229"/>
       </p:ext>
     </p:extLst>
   </p:cSld>
@@ -755,7 +755,7 @@
           <p:cNvPr id="2" name="标题 1">
             <a:extLst>
               <a:ext uri="{FF2B5EF4-FFF2-40B4-BE49-F238E27FC236}">
-                <a16:creationId xmlns:a16="http://schemas.microsoft.com/office/drawing/2014/main" id="{269CCB30-4813-C0DB-9CD6-062F626AD17B}"/>
+                <a16:creationId xmlns:a16="http://schemas.microsoft.com/office/drawing/2014/main" id="{7FB066EC-52CE-2D5A-23DE-8EE211F9116A}"/>
               </a:ext>
             </a:extLst>
           </p:cNvPr>
@@ -783,7 +783,7 @@
           <p:cNvPr id="3" name="内容占位符 2">
             <a:extLst>
               <a:ext uri="{FF2B5EF4-FFF2-40B4-BE49-F238E27FC236}">
-                <a16:creationId xmlns:a16="http://schemas.microsoft.com/office/drawing/2014/main" id="{6CF6B852-DD90-FEC7-F9AD-CF97D15DF8F9}"/>
+                <a16:creationId xmlns:a16="http://schemas.microsoft.com/office/drawing/2014/main" id="{9EEB3FEE-1CD1-E6E4-62C6-CA2D5055DD41}"/>
               </a:ext>
             </a:extLst>
           </p:cNvPr>
@@ -840,7 +840,7 @@
           <p:cNvPr id="4" name="日期占位符 3">
             <a:extLst>
               <a:ext uri="{FF2B5EF4-FFF2-40B4-BE49-F238E27FC236}">
-                <a16:creationId xmlns:a16="http://schemas.microsoft.com/office/drawing/2014/main" id="{C77CA152-B99C-DC17-858A-DCEE9D285868}"/>
+                <a16:creationId xmlns:a16="http://schemas.microsoft.com/office/drawing/2014/main" id="{F3CF43B8-A970-F638-6F19-A507E1117753}"/>
               </a:ext>
             </a:extLst>
           </p:cNvPr>
@@ -856,7 +856,7 @@
           <a:bodyPr/>
           <a:lstStyle/>
           <a:p>
-            <a:fld id="{8A871E92-53D5-4DD0-886E-DC73A567DF53}" type="datetimeFigureOut">
+            <a:fld id="{C4D8C931-AE4C-450C-AA6D-CFE0BF4D3FB4}" type="datetimeFigureOut">
               <a:rPr lang="zh-CN" altLang="en-US" smtClean="0"/>
               <a:t>2024/3/10</a:t>
             </a:fld>
@@ -869,7 +869,7 @@
           <p:cNvPr id="5" name="页脚占位符 4">
             <a:extLst>
               <a:ext uri="{FF2B5EF4-FFF2-40B4-BE49-F238E27FC236}">
-                <a16:creationId xmlns:a16="http://schemas.microsoft.com/office/drawing/2014/main" id="{E15C4124-39DB-E0F2-3370-ADBE59DA4B38}"/>
+                <a16:creationId xmlns:a16="http://schemas.microsoft.com/office/drawing/2014/main" id="{5F78BFAB-8B45-144E-19C0-A159393841AB}"/>
               </a:ext>
             </a:extLst>
           </p:cNvPr>
@@ -894,7 +894,7 @@
           <p:cNvPr id="6" name="灯片编号占位符 5">
             <a:extLst>
               <a:ext uri="{FF2B5EF4-FFF2-40B4-BE49-F238E27FC236}">
-                <a16:creationId xmlns:a16="http://schemas.microsoft.com/office/drawing/2014/main" id="{7574096C-72E6-37C1-63FA-2764F42B64AD}"/>
+                <a16:creationId xmlns:a16="http://schemas.microsoft.com/office/drawing/2014/main" id="{4BCC6CD6-E50F-9D84-FABA-517620CB0F79}"/>
               </a:ext>
             </a:extLst>
           </p:cNvPr>
@@ -910,7 +910,7 @@
           <a:bodyPr/>
           <a:lstStyle/>
           <a:p>
-            <a:fld id="{ADFEC779-0DB9-400F-9AB7-64319C9A10CE}" type="slidenum">
+            <a:fld id="{88FDAC10-C13A-4B12-A3C6-6A1B9C47D357}" type="slidenum">
               <a:rPr lang="zh-CN" altLang="en-US" smtClean="0"/>
               <a:t>‹#›</a:t>
             </a:fld>
@@ -921,7 +921,7 @@
     </p:spTree>
     <p:extLst>
       <p:ext uri="{BB962C8B-B14F-4D97-AF65-F5344CB8AC3E}">
-        <p14:creationId xmlns:p14="http://schemas.microsoft.com/office/powerpoint/2010/main" val="1462704750"/>
+        <p14:creationId xmlns:p14="http://schemas.microsoft.com/office/powerpoint/2010/main" val="2648699357"/>
       </p:ext>
     </p:extLst>
   </p:cSld>
@@ -953,7 +953,7 @@
           <p:cNvPr id="2" name="标题 1">
             <a:extLst>
               <a:ext uri="{FF2B5EF4-FFF2-40B4-BE49-F238E27FC236}">
-                <a16:creationId xmlns:a16="http://schemas.microsoft.com/office/drawing/2014/main" id="{814CCF7C-4809-1728-4DDB-EFEF4780C1C9}"/>
+                <a16:creationId xmlns:a16="http://schemas.microsoft.com/office/drawing/2014/main" id="{641CD652-DEEE-1E2A-49C5-6E130919FC8A}"/>
               </a:ext>
             </a:extLst>
           </p:cNvPr>
@@ -990,7 +990,7 @@
           <p:cNvPr id="3" name="文本占位符 2">
             <a:extLst>
               <a:ext uri="{FF2B5EF4-FFF2-40B4-BE49-F238E27FC236}">
-                <a16:creationId xmlns:a16="http://schemas.microsoft.com/office/drawing/2014/main" id="{7229CB7B-4201-C0AA-48B3-C1B01C614F68}"/>
+                <a16:creationId xmlns:a16="http://schemas.microsoft.com/office/drawing/2014/main" id="{F5D56BB6-E331-3C81-80AE-7E0D09306F34}"/>
               </a:ext>
             </a:extLst>
           </p:cNvPr>
@@ -1115,7 +1115,7 @@
           <p:cNvPr id="4" name="日期占位符 3">
             <a:extLst>
               <a:ext uri="{FF2B5EF4-FFF2-40B4-BE49-F238E27FC236}">
-                <a16:creationId xmlns:a16="http://schemas.microsoft.com/office/drawing/2014/main" id="{45314364-6338-F2C2-98D5-B3869ABF03B2}"/>
+                <a16:creationId xmlns:a16="http://schemas.microsoft.com/office/drawing/2014/main" id="{D68EE641-E751-8605-7AC2-E9E924C24EA6}"/>
               </a:ext>
             </a:extLst>
           </p:cNvPr>
@@ -1131,7 +1131,7 @@
           <a:bodyPr/>
           <a:lstStyle/>
           <a:p>
-            <a:fld id="{8A871E92-53D5-4DD0-886E-DC73A567DF53}" type="datetimeFigureOut">
+            <a:fld id="{C4D8C931-AE4C-450C-AA6D-CFE0BF4D3FB4}" type="datetimeFigureOut">
               <a:rPr lang="zh-CN" altLang="en-US" smtClean="0"/>
               <a:t>2024/3/10</a:t>
             </a:fld>
@@ -1144,7 +1144,7 @@
           <p:cNvPr id="5" name="页脚占位符 4">
             <a:extLst>
               <a:ext uri="{FF2B5EF4-FFF2-40B4-BE49-F238E27FC236}">
-                <a16:creationId xmlns:a16="http://schemas.microsoft.com/office/drawing/2014/main" id="{41D9DA73-5BE4-63EC-B8F2-D16F69D79D11}"/>
+                <a16:creationId xmlns:a16="http://schemas.microsoft.com/office/drawing/2014/main" id="{177B0502-62E4-8692-26BA-36B1AA799E0E}"/>
               </a:ext>
             </a:extLst>
           </p:cNvPr>
@@ -1169,7 +1169,7 @@
           <p:cNvPr id="6" name="灯片编号占位符 5">
             <a:extLst>
               <a:ext uri="{FF2B5EF4-FFF2-40B4-BE49-F238E27FC236}">
-                <a16:creationId xmlns:a16="http://schemas.microsoft.com/office/drawing/2014/main" id="{C3B240E3-9106-A3EC-3DF7-F69985CCE004}"/>
+                <a16:creationId xmlns:a16="http://schemas.microsoft.com/office/drawing/2014/main" id="{F1EF1235-E8E9-223E-2418-84981972BC6D}"/>
               </a:ext>
             </a:extLst>
           </p:cNvPr>
@@ -1185,7 +1185,7 @@
           <a:bodyPr/>
           <a:lstStyle/>
           <a:p>
-            <a:fld id="{ADFEC779-0DB9-400F-9AB7-64319C9A10CE}" type="slidenum">
+            <a:fld id="{88FDAC10-C13A-4B12-A3C6-6A1B9C47D357}" type="slidenum">
               <a:rPr lang="zh-CN" altLang="en-US" smtClean="0"/>
               <a:t>‹#›</a:t>
             </a:fld>
@@ -1196,7 +1196,7 @@
     </p:spTree>
     <p:extLst>
       <p:ext uri="{BB962C8B-B14F-4D97-AF65-F5344CB8AC3E}">
-        <p14:creationId xmlns:p14="http://schemas.microsoft.com/office/powerpoint/2010/main" val="2920837559"/>
+        <p14:creationId xmlns:p14="http://schemas.microsoft.com/office/powerpoint/2010/main" val="2580489351"/>
       </p:ext>
     </p:extLst>
   </p:cSld>
@@ -1228,7 +1228,7 @@
           <p:cNvPr id="2" name="标题 1">
             <a:extLst>
               <a:ext uri="{FF2B5EF4-FFF2-40B4-BE49-F238E27FC236}">
-                <a16:creationId xmlns:a16="http://schemas.microsoft.com/office/drawing/2014/main" id="{5CF7251F-19B2-BA76-E686-EEFB59A1404A}"/>
+                <a16:creationId xmlns:a16="http://schemas.microsoft.com/office/drawing/2014/main" id="{FB319773-35CD-865D-C5D1-4C0D07A710D4}"/>
               </a:ext>
             </a:extLst>
           </p:cNvPr>
@@ -1256,7 +1256,7 @@
           <p:cNvPr id="3" name="内容占位符 2">
             <a:extLst>
               <a:ext uri="{FF2B5EF4-FFF2-40B4-BE49-F238E27FC236}">
-                <a16:creationId xmlns:a16="http://schemas.microsoft.com/office/drawing/2014/main" id="{3469C912-26A2-A009-A89A-BCD6ACB5173B}"/>
+                <a16:creationId xmlns:a16="http://schemas.microsoft.com/office/drawing/2014/main" id="{95E7A47A-B386-6D66-7D1D-F002F973CE63}"/>
               </a:ext>
             </a:extLst>
           </p:cNvPr>
@@ -1318,7 +1318,7 @@
           <p:cNvPr id="4" name="内容占位符 3">
             <a:extLst>
               <a:ext uri="{FF2B5EF4-FFF2-40B4-BE49-F238E27FC236}">
-                <a16:creationId xmlns:a16="http://schemas.microsoft.com/office/drawing/2014/main" id="{B5D31C82-DF7D-EFE5-9BE8-D6D640740C75}"/>
+                <a16:creationId xmlns:a16="http://schemas.microsoft.com/office/drawing/2014/main" id="{B6F43412-5962-425D-795F-7FBA9CB5964C}"/>
               </a:ext>
             </a:extLst>
           </p:cNvPr>
@@ -1380,7 +1380,7 @@
           <p:cNvPr id="5" name="日期占位符 4">
             <a:extLst>
               <a:ext uri="{FF2B5EF4-FFF2-40B4-BE49-F238E27FC236}">
-                <a16:creationId xmlns:a16="http://schemas.microsoft.com/office/drawing/2014/main" id="{A15C90FC-D13D-6AD1-1290-ACDC51D6D6D9}"/>
+                <a16:creationId xmlns:a16="http://schemas.microsoft.com/office/drawing/2014/main" id="{A752C7D3-C3FB-B025-A86F-43566A684493}"/>
               </a:ext>
             </a:extLst>
           </p:cNvPr>
@@ -1396,7 +1396,7 @@
           <a:bodyPr/>
           <a:lstStyle/>
           <a:p>
-            <a:fld id="{8A871E92-53D5-4DD0-886E-DC73A567DF53}" type="datetimeFigureOut">
+            <a:fld id="{C4D8C931-AE4C-450C-AA6D-CFE0BF4D3FB4}" type="datetimeFigureOut">
               <a:rPr lang="zh-CN" altLang="en-US" smtClean="0"/>
               <a:t>2024/3/10</a:t>
             </a:fld>
@@ -1409,7 +1409,7 @@
           <p:cNvPr id="6" name="页脚占位符 5">
             <a:extLst>
               <a:ext uri="{FF2B5EF4-FFF2-40B4-BE49-F238E27FC236}">
-                <a16:creationId xmlns:a16="http://schemas.microsoft.com/office/drawing/2014/main" id="{587321BB-3C0B-AF7C-9C8E-6E3B4E8BDBEE}"/>
+                <a16:creationId xmlns:a16="http://schemas.microsoft.com/office/drawing/2014/main" id="{1EAFE49B-B533-71D9-DD8D-78FBF0DECDE7}"/>
               </a:ext>
             </a:extLst>
           </p:cNvPr>
@@ -1434,7 +1434,7 @@
           <p:cNvPr id="7" name="灯片编号占位符 6">
             <a:extLst>
               <a:ext uri="{FF2B5EF4-FFF2-40B4-BE49-F238E27FC236}">
-                <a16:creationId xmlns:a16="http://schemas.microsoft.com/office/drawing/2014/main" id="{AEBB02A1-9FDE-A000-B08E-F0409AE6703C}"/>
+                <a16:creationId xmlns:a16="http://schemas.microsoft.com/office/drawing/2014/main" id="{09868B1A-6FEA-057C-D551-7F7282DB38D5}"/>
               </a:ext>
             </a:extLst>
           </p:cNvPr>
@@ -1450,7 +1450,7 @@
           <a:bodyPr/>
           <a:lstStyle/>
           <a:p>
-            <a:fld id="{ADFEC779-0DB9-400F-9AB7-64319C9A10CE}" type="slidenum">
+            <a:fld id="{88FDAC10-C13A-4B12-A3C6-6A1B9C47D357}" type="slidenum">
               <a:rPr lang="zh-CN" altLang="en-US" smtClean="0"/>
               <a:t>‹#›</a:t>
             </a:fld>
@@ -1461,7 +1461,7 @@
     </p:spTree>
     <p:extLst>
       <p:ext uri="{BB962C8B-B14F-4D97-AF65-F5344CB8AC3E}">
-        <p14:creationId xmlns:p14="http://schemas.microsoft.com/office/powerpoint/2010/main" val="3168042079"/>
+        <p14:creationId xmlns:p14="http://schemas.microsoft.com/office/powerpoint/2010/main" val="2136085916"/>
       </p:ext>
     </p:extLst>
   </p:cSld>
@@ -1493,7 +1493,7 @@
           <p:cNvPr id="2" name="标题 1">
             <a:extLst>
               <a:ext uri="{FF2B5EF4-FFF2-40B4-BE49-F238E27FC236}">
-                <a16:creationId xmlns:a16="http://schemas.microsoft.com/office/drawing/2014/main" id="{21044E5D-FE67-6CFE-8260-A3ECCA20178E}"/>
+                <a16:creationId xmlns:a16="http://schemas.microsoft.com/office/drawing/2014/main" id="{5B91AF54-5C2B-B469-5E37-3834DFD926DF}"/>
               </a:ext>
             </a:extLst>
           </p:cNvPr>
@@ -1526,7 +1526,7 @@
           <p:cNvPr id="3" name="文本占位符 2">
             <a:extLst>
               <a:ext uri="{FF2B5EF4-FFF2-40B4-BE49-F238E27FC236}">
-                <a16:creationId xmlns:a16="http://schemas.microsoft.com/office/drawing/2014/main" id="{508F4606-B9E1-ED9D-9AC4-8F0328A60B30}"/>
+                <a16:creationId xmlns:a16="http://schemas.microsoft.com/office/drawing/2014/main" id="{767A9381-D8F2-CC7C-769F-68BC721735F0}"/>
               </a:ext>
             </a:extLst>
           </p:cNvPr>
@@ -1597,7 +1597,7 @@
           <p:cNvPr id="4" name="内容占位符 3">
             <a:extLst>
               <a:ext uri="{FF2B5EF4-FFF2-40B4-BE49-F238E27FC236}">
-                <a16:creationId xmlns:a16="http://schemas.microsoft.com/office/drawing/2014/main" id="{09808F84-CE18-938E-EF3C-B0C5F8957400}"/>
+                <a16:creationId xmlns:a16="http://schemas.microsoft.com/office/drawing/2014/main" id="{784A0580-69A9-6948-F90C-F64795B651CC}"/>
               </a:ext>
             </a:extLst>
           </p:cNvPr>
@@ -1659,7 +1659,7 @@
           <p:cNvPr id="5" name="文本占位符 4">
             <a:extLst>
               <a:ext uri="{FF2B5EF4-FFF2-40B4-BE49-F238E27FC236}">
-                <a16:creationId xmlns:a16="http://schemas.microsoft.com/office/drawing/2014/main" id="{8B46CB95-3632-D2F5-AAB1-D718359BBF0A}"/>
+                <a16:creationId xmlns:a16="http://schemas.microsoft.com/office/drawing/2014/main" id="{A9D6627A-A2D2-2D50-3FB4-13312FECBF43}"/>
               </a:ext>
             </a:extLst>
           </p:cNvPr>
@@ -1730,7 +1730,7 @@
           <p:cNvPr id="6" name="内容占位符 5">
             <a:extLst>
               <a:ext uri="{FF2B5EF4-FFF2-40B4-BE49-F238E27FC236}">
-                <a16:creationId xmlns:a16="http://schemas.microsoft.com/office/drawing/2014/main" id="{1487C6D9-F95B-741F-C9C4-AFB3003B7CAF}"/>
+                <a16:creationId xmlns:a16="http://schemas.microsoft.com/office/drawing/2014/main" id="{F193DC4C-EF55-1D8B-7DBF-BBD6D998D9A7}"/>
               </a:ext>
             </a:extLst>
           </p:cNvPr>
@@ -1792,7 +1792,7 @@
           <p:cNvPr id="7" name="日期占位符 6">
             <a:extLst>
               <a:ext uri="{FF2B5EF4-FFF2-40B4-BE49-F238E27FC236}">
-                <a16:creationId xmlns:a16="http://schemas.microsoft.com/office/drawing/2014/main" id="{590B989E-4A9C-B557-D346-8B91C4B40556}"/>
+                <a16:creationId xmlns:a16="http://schemas.microsoft.com/office/drawing/2014/main" id="{BC0FE473-8C6A-D23C-5ABE-5BC587DCE918}"/>
               </a:ext>
             </a:extLst>
           </p:cNvPr>
@@ -1808,7 +1808,7 @@
           <a:bodyPr/>
           <a:lstStyle/>
           <a:p>
-            <a:fld id="{8A871E92-53D5-4DD0-886E-DC73A567DF53}" type="datetimeFigureOut">
+            <a:fld id="{C4D8C931-AE4C-450C-AA6D-CFE0BF4D3FB4}" type="datetimeFigureOut">
               <a:rPr lang="zh-CN" altLang="en-US" smtClean="0"/>
               <a:t>2024/3/10</a:t>
             </a:fld>
@@ -1821,7 +1821,7 @@
           <p:cNvPr id="8" name="页脚占位符 7">
             <a:extLst>
               <a:ext uri="{FF2B5EF4-FFF2-40B4-BE49-F238E27FC236}">
-                <a16:creationId xmlns:a16="http://schemas.microsoft.com/office/drawing/2014/main" id="{3C261A40-60E3-28E5-F0CC-C7742F2C8170}"/>
+                <a16:creationId xmlns:a16="http://schemas.microsoft.com/office/drawing/2014/main" id="{EE195EF5-146B-41FC-D478-7A4EDDBE2E28}"/>
               </a:ext>
             </a:extLst>
           </p:cNvPr>
@@ -1846,7 +1846,7 @@
           <p:cNvPr id="9" name="灯片编号占位符 8">
             <a:extLst>
               <a:ext uri="{FF2B5EF4-FFF2-40B4-BE49-F238E27FC236}">
-                <a16:creationId xmlns:a16="http://schemas.microsoft.com/office/drawing/2014/main" id="{1C1087F0-EAD0-5132-7B08-24D4C60B0F30}"/>
+                <a16:creationId xmlns:a16="http://schemas.microsoft.com/office/drawing/2014/main" id="{4F54C1D0-A013-E930-78BF-0D27E864E9DA}"/>
               </a:ext>
             </a:extLst>
           </p:cNvPr>
@@ -1862,7 +1862,7 @@
           <a:bodyPr/>
           <a:lstStyle/>
           <a:p>
-            <a:fld id="{ADFEC779-0DB9-400F-9AB7-64319C9A10CE}" type="slidenum">
+            <a:fld id="{88FDAC10-C13A-4B12-A3C6-6A1B9C47D357}" type="slidenum">
               <a:rPr lang="zh-CN" altLang="en-US" smtClean="0"/>
               <a:t>‹#›</a:t>
             </a:fld>
@@ -1873,7 +1873,7 @@
     </p:spTree>
     <p:extLst>
       <p:ext uri="{BB962C8B-B14F-4D97-AF65-F5344CB8AC3E}">
-        <p14:creationId xmlns:p14="http://schemas.microsoft.com/office/powerpoint/2010/main" val="3381388199"/>
+        <p14:creationId xmlns:p14="http://schemas.microsoft.com/office/powerpoint/2010/main" val="164774598"/>
       </p:ext>
     </p:extLst>
   </p:cSld>
@@ -1905,7 +1905,7 @@
           <p:cNvPr id="2" name="标题 1">
             <a:extLst>
               <a:ext uri="{FF2B5EF4-FFF2-40B4-BE49-F238E27FC236}">
-                <a16:creationId xmlns:a16="http://schemas.microsoft.com/office/drawing/2014/main" id="{5D074D18-D1DC-8C02-E3C8-8C23CC0EB6B6}"/>
+                <a16:creationId xmlns:a16="http://schemas.microsoft.com/office/drawing/2014/main" id="{6A7DFF37-7BB5-6740-4ED1-2D0C248E395D}"/>
               </a:ext>
             </a:extLst>
           </p:cNvPr>
@@ -1933,7 +1933,7 @@
           <p:cNvPr id="3" name="日期占位符 2">
             <a:extLst>
               <a:ext uri="{FF2B5EF4-FFF2-40B4-BE49-F238E27FC236}">
-                <a16:creationId xmlns:a16="http://schemas.microsoft.com/office/drawing/2014/main" id="{A5E6ABFF-4467-6996-815B-C7599F07980A}"/>
+                <a16:creationId xmlns:a16="http://schemas.microsoft.com/office/drawing/2014/main" id="{A4F28FB9-20B9-B5D6-3EAB-3DA4FDC7EBAB}"/>
               </a:ext>
             </a:extLst>
           </p:cNvPr>
@@ -1949,7 +1949,7 @@
           <a:bodyPr/>
           <a:lstStyle/>
           <a:p>
-            <a:fld id="{8A871E92-53D5-4DD0-886E-DC73A567DF53}" type="datetimeFigureOut">
+            <a:fld id="{C4D8C931-AE4C-450C-AA6D-CFE0BF4D3FB4}" type="datetimeFigureOut">
               <a:rPr lang="zh-CN" altLang="en-US" smtClean="0"/>
               <a:t>2024/3/10</a:t>
             </a:fld>
@@ -1962,7 +1962,7 @@
           <p:cNvPr id="4" name="页脚占位符 3">
             <a:extLst>
               <a:ext uri="{FF2B5EF4-FFF2-40B4-BE49-F238E27FC236}">
-                <a16:creationId xmlns:a16="http://schemas.microsoft.com/office/drawing/2014/main" id="{59DA52E3-5AE1-9BC8-8B3F-CED58B2949AB}"/>
+                <a16:creationId xmlns:a16="http://schemas.microsoft.com/office/drawing/2014/main" id="{8CFD6E67-CEB8-7EDF-6D4E-05AA4FAB84E5}"/>
               </a:ext>
             </a:extLst>
           </p:cNvPr>
@@ -1987,7 +1987,7 @@
           <p:cNvPr id="5" name="灯片编号占位符 4">
             <a:extLst>
               <a:ext uri="{FF2B5EF4-FFF2-40B4-BE49-F238E27FC236}">
-                <a16:creationId xmlns:a16="http://schemas.microsoft.com/office/drawing/2014/main" id="{7B038CE5-92C5-4953-41AA-DF7522B0367B}"/>
+                <a16:creationId xmlns:a16="http://schemas.microsoft.com/office/drawing/2014/main" id="{40E250FA-3106-C28A-C14E-1247600135B0}"/>
               </a:ext>
             </a:extLst>
           </p:cNvPr>
@@ -2003,7 +2003,7 @@
           <a:bodyPr/>
           <a:lstStyle/>
           <a:p>
-            <a:fld id="{ADFEC779-0DB9-400F-9AB7-64319C9A10CE}" type="slidenum">
+            <a:fld id="{88FDAC10-C13A-4B12-A3C6-6A1B9C47D357}" type="slidenum">
               <a:rPr lang="zh-CN" altLang="en-US" smtClean="0"/>
               <a:t>‹#›</a:t>
             </a:fld>
@@ -2014,7 +2014,7 @@
     </p:spTree>
     <p:extLst>
       <p:ext uri="{BB962C8B-B14F-4D97-AF65-F5344CB8AC3E}">
-        <p14:creationId xmlns:p14="http://schemas.microsoft.com/office/powerpoint/2010/main" val="2474433206"/>
+        <p14:creationId xmlns:p14="http://schemas.microsoft.com/office/powerpoint/2010/main" val="3864268664"/>
       </p:ext>
     </p:extLst>
   </p:cSld>
@@ -2046,7 +2046,7 @@
           <p:cNvPr id="2" name="日期占位符 1">
             <a:extLst>
               <a:ext uri="{FF2B5EF4-FFF2-40B4-BE49-F238E27FC236}">
-                <a16:creationId xmlns:a16="http://schemas.microsoft.com/office/drawing/2014/main" id="{F1EAE624-E262-AC14-8293-73251C1457F2}"/>
+                <a16:creationId xmlns:a16="http://schemas.microsoft.com/office/drawing/2014/main" id="{FE67E275-17CC-98A6-B9A9-512B19C33720}"/>
               </a:ext>
             </a:extLst>
           </p:cNvPr>
@@ -2062,7 +2062,7 @@
           <a:bodyPr/>
           <a:lstStyle/>
           <a:p>
-            <a:fld id="{8A871E92-53D5-4DD0-886E-DC73A567DF53}" type="datetimeFigureOut">
+            <a:fld id="{C4D8C931-AE4C-450C-AA6D-CFE0BF4D3FB4}" type="datetimeFigureOut">
               <a:rPr lang="zh-CN" altLang="en-US" smtClean="0"/>
               <a:t>2024/3/10</a:t>
             </a:fld>
@@ -2075,7 +2075,7 @@
           <p:cNvPr id="3" name="页脚占位符 2">
             <a:extLst>
               <a:ext uri="{FF2B5EF4-FFF2-40B4-BE49-F238E27FC236}">
-                <a16:creationId xmlns:a16="http://schemas.microsoft.com/office/drawing/2014/main" id="{84EFF3E9-3269-76A8-D230-E1B89D9C6D44}"/>
+                <a16:creationId xmlns:a16="http://schemas.microsoft.com/office/drawing/2014/main" id="{D7BBEECC-058D-CC8A-156D-12DDAECC72AA}"/>
               </a:ext>
             </a:extLst>
           </p:cNvPr>
@@ -2100,7 +2100,7 @@
           <p:cNvPr id="4" name="灯片编号占位符 3">
             <a:extLst>
               <a:ext uri="{FF2B5EF4-FFF2-40B4-BE49-F238E27FC236}">
-                <a16:creationId xmlns:a16="http://schemas.microsoft.com/office/drawing/2014/main" id="{CFD82EAC-AB7A-DF62-E6EC-E57ABC78DDC8}"/>
+                <a16:creationId xmlns:a16="http://schemas.microsoft.com/office/drawing/2014/main" id="{2B65AF40-3D51-AB35-E0C0-AF38D3B53E9A}"/>
               </a:ext>
             </a:extLst>
           </p:cNvPr>
@@ -2116,7 +2116,7 @@
           <a:bodyPr/>
           <a:lstStyle/>
           <a:p>
-            <a:fld id="{ADFEC779-0DB9-400F-9AB7-64319C9A10CE}" type="slidenum">
+            <a:fld id="{88FDAC10-C13A-4B12-A3C6-6A1B9C47D357}" type="slidenum">
               <a:rPr lang="zh-CN" altLang="en-US" smtClean="0"/>
               <a:t>‹#›</a:t>
             </a:fld>
@@ -2127,7 +2127,7 @@
     </p:spTree>
     <p:extLst>
       <p:ext uri="{BB962C8B-B14F-4D97-AF65-F5344CB8AC3E}">
-        <p14:creationId xmlns:p14="http://schemas.microsoft.com/office/powerpoint/2010/main" val="924029652"/>
+        <p14:creationId xmlns:p14="http://schemas.microsoft.com/office/powerpoint/2010/main" val="324128230"/>
       </p:ext>
     </p:extLst>
   </p:cSld>
@@ -2159,7 +2159,7 @@
           <p:cNvPr id="2" name="标题 1">
             <a:extLst>
               <a:ext uri="{FF2B5EF4-FFF2-40B4-BE49-F238E27FC236}">
-                <a16:creationId xmlns:a16="http://schemas.microsoft.com/office/drawing/2014/main" id="{0AF85070-2C71-4FD9-0179-3F860F157294}"/>
+                <a16:creationId xmlns:a16="http://schemas.microsoft.com/office/drawing/2014/main" id="{6E2F14CB-2183-2B79-38B6-4A44D1A954C0}"/>
               </a:ext>
             </a:extLst>
           </p:cNvPr>
@@ -2196,7 +2196,7 @@
           <p:cNvPr id="3" name="内容占位符 2">
             <a:extLst>
               <a:ext uri="{FF2B5EF4-FFF2-40B4-BE49-F238E27FC236}">
-                <a16:creationId xmlns:a16="http://schemas.microsoft.com/office/drawing/2014/main" id="{156726C1-1701-EE12-B68C-C8A929E16867}"/>
+                <a16:creationId xmlns:a16="http://schemas.microsoft.com/office/drawing/2014/main" id="{B3FAAD36-303C-B759-FBAF-C551BA49097E}"/>
               </a:ext>
             </a:extLst>
           </p:cNvPr>
@@ -2286,7 +2286,7 @@
           <p:cNvPr id="4" name="文本占位符 3">
             <a:extLst>
               <a:ext uri="{FF2B5EF4-FFF2-40B4-BE49-F238E27FC236}">
-                <a16:creationId xmlns:a16="http://schemas.microsoft.com/office/drawing/2014/main" id="{E9618372-97B5-42A8-1886-028EC8F5F195}"/>
+                <a16:creationId xmlns:a16="http://schemas.microsoft.com/office/drawing/2014/main" id="{F8899165-269E-999C-4426-C4D58B606EFC}"/>
               </a:ext>
             </a:extLst>
           </p:cNvPr>
@@ -2357,7 +2357,7 @@
           <p:cNvPr id="5" name="日期占位符 4">
             <a:extLst>
               <a:ext uri="{FF2B5EF4-FFF2-40B4-BE49-F238E27FC236}">
-                <a16:creationId xmlns:a16="http://schemas.microsoft.com/office/drawing/2014/main" id="{A4F3A595-459B-B11A-7808-6284C8EBBCEC}"/>
+                <a16:creationId xmlns:a16="http://schemas.microsoft.com/office/drawing/2014/main" id="{ABA2A702-C4BE-0BB6-FD69-36BAF931F1B7}"/>
               </a:ext>
             </a:extLst>
           </p:cNvPr>
@@ -2373,7 +2373,7 @@
           <a:bodyPr/>
           <a:lstStyle/>
           <a:p>
-            <a:fld id="{8A871E92-53D5-4DD0-886E-DC73A567DF53}" type="datetimeFigureOut">
+            <a:fld id="{C4D8C931-AE4C-450C-AA6D-CFE0BF4D3FB4}" type="datetimeFigureOut">
               <a:rPr lang="zh-CN" altLang="en-US" smtClean="0"/>
               <a:t>2024/3/10</a:t>
             </a:fld>
@@ -2386,7 +2386,7 @@
           <p:cNvPr id="6" name="页脚占位符 5">
             <a:extLst>
               <a:ext uri="{FF2B5EF4-FFF2-40B4-BE49-F238E27FC236}">
-                <a16:creationId xmlns:a16="http://schemas.microsoft.com/office/drawing/2014/main" id="{5B54A54B-9BAB-02C7-194F-F06F7325F00A}"/>
+                <a16:creationId xmlns:a16="http://schemas.microsoft.com/office/drawing/2014/main" id="{2DF96558-BC57-6D7A-1FF3-7A78E9B996A6}"/>
               </a:ext>
             </a:extLst>
           </p:cNvPr>
@@ -2411,7 +2411,7 @@
           <p:cNvPr id="7" name="灯片编号占位符 6">
             <a:extLst>
               <a:ext uri="{FF2B5EF4-FFF2-40B4-BE49-F238E27FC236}">
-                <a16:creationId xmlns:a16="http://schemas.microsoft.com/office/drawing/2014/main" id="{C0CF7F05-EFA9-69E2-225A-20BCFBEA595C}"/>
+                <a16:creationId xmlns:a16="http://schemas.microsoft.com/office/drawing/2014/main" id="{2AEDF593-870C-7DDC-6BD2-A2DEA765BE29}"/>
               </a:ext>
             </a:extLst>
           </p:cNvPr>
@@ -2427,7 +2427,7 @@
           <a:bodyPr/>
           <a:lstStyle/>
           <a:p>
-            <a:fld id="{ADFEC779-0DB9-400F-9AB7-64319C9A10CE}" type="slidenum">
+            <a:fld id="{88FDAC10-C13A-4B12-A3C6-6A1B9C47D357}" type="slidenum">
               <a:rPr lang="zh-CN" altLang="en-US" smtClean="0"/>
               <a:t>‹#›</a:t>
             </a:fld>
@@ -2438,7 +2438,7 @@
     </p:spTree>
     <p:extLst>
       <p:ext uri="{BB962C8B-B14F-4D97-AF65-F5344CB8AC3E}">
-        <p14:creationId xmlns:p14="http://schemas.microsoft.com/office/powerpoint/2010/main" val="1032667032"/>
+        <p14:creationId xmlns:p14="http://schemas.microsoft.com/office/powerpoint/2010/main" val="2875173784"/>
       </p:ext>
     </p:extLst>
   </p:cSld>
@@ -2470,7 +2470,7 @@
           <p:cNvPr id="2" name="标题 1">
             <a:extLst>
               <a:ext uri="{FF2B5EF4-FFF2-40B4-BE49-F238E27FC236}">
-                <a16:creationId xmlns:a16="http://schemas.microsoft.com/office/drawing/2014/main" id="{9DED336C-D9F8-46CF-8A2A-433172D1E795}"/>
+                <a16:creationId xmlns:a16="http://schemas.microsoft.com/office/drawing/2014/main" id="{9DCBB2F6-9CA1-B1CF-58E3-C30B328653FF}"/>
               </a:ext>
             </a:extLst>
           </p:cNvPr>
@@ -2507,7 +2507,7 @@
           <p:cNvPr id="3" name="图片占位符 2">
             <a:extLst>
               <a:ext uri="{FF2B5EF4-FFF2-40B4-BE49-F238E27FC236}">
-                <a16:creationId xmlns:a16="http://schemas.microsoft.com/office/drawing/2014/main" id="{694E2564-D919-0548-76C7-1DCEA55FE7E3}"/>
+                <a16:creationId xmlns:a16="http://schemas.microsoft.com/office/drawing/2014/main" id="{57B5DC64-DB6D-755B-D707-E9601C2428FB}"/>
               </a:ext>
             </a:extLst>
           </p:cNvPr>
@@ -2574,7 +2574,7 @@
           <p:cNvPr id="4" name="文本占位符 3">
             <a:extLst>
               <a:ext uri="{FF2B5EF4-FFF2-40B4-BE49-F238E27FC236}">
-                <a16:creationId xmlns:a16="http://schemas.microsoft.com/office/drawing/2014/main" id="{9B449304-21C1-FC2C-33BA-E5AEB18E9D6D}"/>
+                <a16:creationId xmlns:a16="http://schemas.microsoft.com/office/drawing/2014/main" id="{D31AA48D-1CA5-0CBF-063E-B6803BD4A1F5}"/>
               </a:ext>
             </a:extLst>
           </p:cNvPr>
@@ -2645,7 +2645,7 @@
           <p:cNvPr id="5" name="日期占位符 4">
             <a:extLst>
               <a:ext uri="{FF2B5EF4-FFF2-40B4-BE49-F238E27FC236}">
-                <a16:creationId xmlns:a16="http://schemas.microsoft.com/office/drawing/2014/main" id="{655A483D-0F51-009F-87BE-02F0DB01770C}"/>
+                <a16:creationId xmlns:a16="http://schemas.microsoft.com/office/drawing/2014/main" id="{83F82AF4-F535-5B91-601D-EFC8D9C7186E}"/>
               </a:ext>
             </a:extLst>
           </p:cNvPr>
@@ -2661,7 +2661,7 @@
           <a:bodyPr/>
           <a:lstStyle/>
           <a:p>
-            <a:fld id="{8A871E92-53D5-4DD0-886E-DC73A567DF53}" type="datetimeFigureOut">
+            <a:fld id="{C4D8C931-AE4C-450C-AA6D-CFE0BF4D3FB4}" type="datetimeFigureOut">
               <a:rPr lang="zh-CN" altLang="en-US" smtClean="0"/>
               <a:t>2024/3/10</a:t>
             </a:fld>
@@ -2674,7 +2674,7 @@
           <p:cNvPr id="6" name="页脚占位符 5">
             <a:extLst>
               <a:ext uri="{FF2B5EF4-FFF2-40B4-BE49-F238E27FC236}">
-                <a16:creationId xmlns:a16="http://schemas.microsoft.com/office/drawing/2014/main" id="{5071FB78-7089-8592-2071-ED23F4AD405C}"/>
+                <a16:creationId xmlns:a16="http://schemas.microsoft.com/office/drawing/2014/main" id="{F5C3641F-6066-9AF9-691C-921263F3D3D5}"/>
               </a:ext>
             </a:extLst>
           </p:cNvPr>
@@ -2699,7 +2699,7 @@
           <p:cNvPr id="7" name="灯片编号占位符 6">
             <a:extLst>
               <a:ext uri="{FF2B5EF4-FFF2-40B4-BE49-F238E27FC236}">
-                <a16:creationId xmlns:a16="http://schemas.microsoft.com/office/drawing/2014/main" id="{EDD5650F-2236-B3E8-6184-E0015E855FD4}"/>
+                <a16:creationId xmlns:a16="http://schemas.microsoft.com/office/drawing/2014/main" id="{61F696FE-0433-0581-8C6A-0884AE0D5290}"/>
               </a:ext>
             </a:extLst>
           </p:cNvPr>
@@ -2715,7 +2715,7 @@
           <a:bodyPr/>
           <a:lstStyle/>
           <a:p>
-            <a:fld id="{ADFEC779-0DB9-400F-9AB7-64319C9A10CE}" type="slidenum">
+            <a:fld id="{88FDAC10-C13A-4B12-A3C6-6A1B9C47D357}" type="slidenum">
               <a:rPr lang="zh-CN" altLang="en-US" smtClean="0"/>
               <a:t>‹#›</a:t>
             </a:fld>
@@ -2726,7 +2726,7 @@
     </p:spTree>
     <p:extLst>
       <p:ext uri="{BB962C8B-B14F-4D97-AF65-F5344CB8AC3E}">
-        <p14:creationId xmlns:p14="http://schemas.microsoft.com/office/powerpoint/2010/main" val="900308670"/>
+        <p14:creationId xmlns:p14="http://schemas.microsoft.com/office/powerpoint/2010/main" val="1392485339"/>
       </p:ext>
     </p:extLst>
   </p:cSld>
@@ -2763,7 +2763,7 @@
           <p:cNvPr id="2" name="标题占位符 1">
             <a:extLst>
               <a:ext uri="{FF2B5EF4-FFF2-40B4-BE49-F238E27FC236}">
-                <a16:creationId xmlns:a16="http://schemas.microsoft.com/office/drawing/2014/main" id="{B41DD253-6468-3B9F-5CA6-7FF2B6BA95E4}"/>
+                <a16:creationId xmlns:a16="http://schemas.microsoft.com/office/drawing/2014/main" id="{D54B10B1-75C2-8245-D50D-63169B41809D}"/>
               </a:ext>
             </a:extLst>
           </p:cNvPr>
@@ -2801,7 +2801,7 @@
           <p:cNvPr id="3" name="文本占位符 2">
             <a:extLst>
               <a:ext uri="{FF2B5EF4-FFF2-40B4-BE49-F238E27FC236}">
-                <a16:creationId xmlns:a16="http://schemas.microsoft.com/office/drawing/2014/main" id="{5F26F7CE-13A7-7747-30BA-C0019B6020BD}"/>
+                <a16:creationId xmlns:a16="http://schemas.microsoft.com/office/drawing/2014/main" id="{F89DD431-F5B5-CECF-8ECE-6730FE5E714E}"/>
               </a:ext>
             </a:extLst>
           </p:cNvPr>
@@ -2868,7 +2868,7 @@
           <p:cNvPr id="4" name="日期占位符 3">
             <a:extLst>
               <a:ext uri="{FF2B5EF4-FFF2-40B4-BE49-F238E27FC236}">
-                <a16:creationId xmlns:a16="http://schemas.microsoft.com/office/drawing/2014/main" id="{A97F95F4-F1E6-F41E-5B12-2EA72761DD82}"/>
+                <a16:creationId xmlns:a16="http://schemas.microsoft.com/office/drawing/2014/main" id="{F3F529B6-4174-5EF4-5494-96F4D26E9AAF}"/>
               </a:ext>
             </a:extLst>
           </p:cNvPr>
@@ -2902,7 +2902,7 @@
             </a:lvl1pPr>
           </a:lstStyle>
           <a:p>
-            <a:fld id="{8A871E92-53D5-4DD0-886E-DC73A567DF53}" type="datetimeFigureOut">
+            <a:fld id="{C4D8C931-AE4C-450C-AA6D-CFE0BF4D3FB4}" type="datetimeFigureOut">
               <a:rPr lang="zh-CN" altLang="en-US" smtClean="0"/>
               <a:t>2024/3/10</a:t>
             </a:fld>
@@ -2915,7 +2915,7 @@
           <p:cNvPr id="5" name="页脚占位符 4">
             <a:extLst>
               <a:ext uri="{FF2B5EF4-FFF2-40B4-BE49-F238E27FC236}">
-                <a16:creationId xmlns:a16="http://schemas.microsoft.com/office/drawing/2014/main" id="{F524CB59-6E28-310C-33F5-0B52DD1668D0}"/>
+                <a16:creationId xmlns:a16="http://schemas.microsoft.com/office/drawing/2014/main" id="{2EBC52FB-DA1E-79D5-514F-ABD11F88CAE0}"/>
               </a:ext>
             </a:extLst>
           </p:cNvPr>
@@ -2958,7 +2958,7 @@
           <p:cNvPr id="6" name="灯片编号占位符 5">
             <a:extLst>
               <a:ext uri="{FF2B5EF4-FFF2-40B4-BE49-F238E27FC236}">
-                <a16:creationId xmlns:a16="http://schemas.microsoft.com/office/drawing/2014/main" id="{2630918E-15FF-5874-7303-80DB4A6A75B3}"/>
+                <a16:creationId xmlns:a16="http://schemas.microsoft.com/office/drawing/2014/main" id="{42779DEC-605F-314B-827D-413DE6F46384}"/>
               </a:ext>
             </a:extLst>
           </p:cNvPr>
@@ -2992,7 +2992,7 @@
             </a:lvl1pPr>
           </a:lstStyle>
           <a:p>
-            <a:fld id="{ADFEC779-0DB9-400F-9AB7-64319C9A10CE}" type="slidenum">
+            <a:fld id="{88FDAC10-C13A-4B12-A3C6-6A1B9C47D357}" type="slidenum">
               <a:rPr lang="zh-CN" altLang="en-US" smtClean="0"/>
               <a:t>‹#›</a:t>
             </a:fld>
@@ -3003,7 +3003,7 @@
     </p:spTree>
     <p:extLst>
       <p:ext uri="{BB962C8B-B14F-4D97-AF65-F5344CB8AC3E}">
-        <p14:creationId xmlns:p14="http://schemas.microsoft.com/office/powerpoint/2010/main" val="3061749172"/>
+        <p14:creationId xmlns:p14="http://schemas.microsoft.com/office/powerpoint/2010/main" val="774840145"/>
       </p:ext>
     </p:extLst>
   </p:cSld>
